--- a/docs/cargill_updates_200430.pptx
+++ b/docs/cargill_updates_200430.pptx
@@ -9,7 +9,8 @@
     <p:sldId id="259" r:id="rId3"/>
     <p:sldId id="261" r:id="rId4"/>
     <p:sldId id="262" r:id="rId5"/>
-    <p:sldId id="263" r:id="rId6"/>
+    <p:sldId id="264" r:id="rId6"/>
+    <p:sldId id="263" r:id="rId7"/>
   </p:sldIdLst>
   <p:sldSz cx="9144000" cy="6858000" type="screen4x3"/>
   <p:notesSz cx="6858000" cy="9144000"/>
@@ -3662,6 +3663,94 @@
 </file>
 
 <file path=ppt/slides/slide4.xml><?xml version="1.0" encoding="utf-8"?>
+<p:sld xmlns:a="http://schemas.openxmlformats.org/drawingml/2006/main" xmlns:r="http://schemas.openxmlformats.org/officeDocument/2006/relationships" xmlns:p="http://schemas.openxmlformats.org/presentationml/2006/main">
+  <p:cSld>
+    <p:spTree>
+      <p:nvGrpSpPr>
+        <p:cNvPr id="1" name=""/>
+        <p:cNvGrpSpPr/>
+        <p:nvPr/>
+      </p:nvGrpSpPr>
+      <p:grpSpPr>
+        <a:xfrm>
+          <a:off x="0" y="0"/>
+          <a:ext cx="0" cy="0"/>
+          <a:chOff x="0" y="0"/>
+          <a:chExt cx="0" cy="0"/>
+        </a:xfrm>
+      </p:grpSpPr>
+      <p:sp>
+        <p:nvSpPr>
+          <p:cNvPr id="3" name="Title 2">
+            <a:extLst>
+              <a:ext uri="{FF2B5EF4-FFF2-40B4-BE49-F238E27FC236}">
+                <a16:creationId xmlns:a16="http://schemas.microsoft.com/office/drawing/2014/main" id="{4F195A26-BDD9-994D-911F-E3E9C92D46B4}"/>
+              </a:ext>
+            </a:extLst>
+          </p:cNvPr>
+          <p:cNvSpPr>
+            <a:spLocks noGrp="1"/>
+          </p:cNvSpPr>
+          <p:nvPr>
+            <p:ph type="title"/>
+          </p:nvPr>
+        </p:nvSpPr>
+        <p:spPr/>
+        <p:txBody>
+          <a:bodyPr/>
+          <a:lstStyle/>
+          <a:p>
+            <a:r>
+              <a:rPr lang="en-US" dirty="0"/>
+              <a:t>Types of Polymers</a:t>
+            </a:r>
+          </a:p>
+        </p:txBody>
+      </p:sp>
+      <p:pic>
+        <p:nvPicPr>
+          <p:cNvPr id="5" name="Picture 4" descr="A picture containing antenna, object&#10;&#10;Description automatically generated">
+            <a:extLst>
+              <a:ext uri="{FF2B5EF4-FFF2-40B4-BE49-F238E27FC236}">
+                <a16:creationId xmlns:a16="http://schemas.microsoft.com/office/drawing/2014/main" id="{9B624FC3-10F6-3744-8E84-D46ECDDEF736}"/>
+              </a:ext>
+            </a:extLst>
+          </p:cNvPr>
+          <p:cNvPicPr>
+            <a:picLocks noChangeAspect="1"/>
+          </p:cNvPicPr>
+          <p:nvPr/>
+        </p:nvPicPr>
+        <p:blipFill>
+          <a:blip r:embed="rId2"/>
+          <a:stretch>
+            <a:fillRect/>
+          </a:stretch>
+        </p:blipFill>
+        <p:spPr>
+          <a:xfrm>
+            <a:off x="407739" y="1796767"/>
+            <a:ext cx="7118182" cy="3895412"/>
+          </a:xfrm>
+          <a:prstGeom prst="rect">
+            <a:avLst/>
+          </a:prstGeom>
+        </p:spPr>
+      </p:pic>
+    </p:spTree>
+    <p:extLst>
+      <p:ext uri="{BB962C8B-B14F-4D97-AF65-F5344CB8AC3E}">
+        <p14:creationId xmlns:p14="http://schemas.microsoft.com/office/powerpoint/2010/main" val="1011203688"/>
+      </p:ext>
+    </p:extLst>
+  </p:cSld>
+  <p:clrMapOvr>
+    <a:masterClrMapping/>
+  </p:clrMapOvr>
+</p:sld>
+</file>
+
+<file path=ppt/slides/slide5.xml><?xml version="1.0" encoding="utf-8"?>
 <p:sld xmlns:a="http://schemas.openxmlformats.org/drawingml/2006/main" xmlns:r="http://schemas.openxmlformats.org/officeDocument/2006/relationships" xmlns:p="http://schemas.openxmlformats.org/presentationml/2006/main">
   <p:cSld>
     <p:spTree>

--- a/docs/cargill_updates_200430.pptx
+++ b/docs/cargill_updates_200430.pptx
@@ -3729,14 +3729,49 @@
         </p:blipFill>
         <p:spPr>
           <a:xfrm>
-            <a:off x="407739" y="1796767"/>
-            <a:ext cx="7118182" cy="3895412"/>
+            <a:off x="273627" y="1967455"/>
+            <a:ext cx="6452533" cy="3531137"/>
           </a:xfrm>
           <a:prstGeom prst="rect">
             <a:avLst/>
           </a:prstGeom>
         </p:spPr>
       </p:pic>
+      <p:sp>
+        <p:nvSpPr>
+          <p:cNvPr id="2" name="TextBox 1">
+            <a:extLst>
+              <a:ext uri="{FF2B5EF4-FFF2-40B4-BE49-F238E27FC236}">
+                <a16:creationId xmlns:a16="http://schemas.microsoft.com/office/drawing/2014/main" id="{69F0305F-EF33-304F-80B7-D5B012D6C42E}"/>
+              </a:ext>
+            </a:extLst>
+          </p:cNvPr>
+          <p:cNvSpPr txBox="1"/>
+          <p:nvPr/>
+        </p:nvSpPr>
+        <p:spPr>
+          <a:xfrm>
+            <a:off x="6925056" y="2551837"/>
+            <a:ext cx="2109216" cy="1754326"/>
+          </a:xfrm>
+          <a:prstGeom prst="rect">
+            <a:avLst/>
+          </a:prstGeom>
+          <a:noFill/>
+        </p:spPr>
+        <p:txBody>
+          <a:bodyPr wrap="square" rtlCol="0">
+            <a:spAutoFit/>
+          </a:bodyPr>
+          <a:lstStyle/>
+          <a:p>
+            <a:r>
+              <a:rPr lang="en-US" dirty="0"/>
+              <a:t>Preliminary logistic regression predicted plasticizers used for PVC vs. not with 82% accuracy (85% training accuracy)</a:t>
+            </a:r>
+          </a:p>
+        </p:txBody>
+      </p:sp>
     </p:spTree>
     <p:extLst>
       <p:ext uri="{BB962C8B-B14F-4D97-AF65-F5344CB8AC3E}">
@@ -3805,7 +3840,7 @@
           <a:p>
             <a:r>
               <a:rPr lang="en-US" sz="1800" dirty="0"/>
-              <a:t>Features not good enough to distinguish between plasticizers used for PVC vs. other polymers</a:t>
+              <a:t>PCA components not good enough to distinguish between plasticizers used for PVC vs. other polymers</a:t>
             </a:r>
             <a:br>
               <a:rPr lang="en-US" sz="1800" dirty="0"/>
